--- a/Week10/week10 Drill with TensorFlow 2.x.pptx
+++ b/Week10/week10 Drill with TensorFlow 2.x.pptx
@@ -264,7 +264,7 @@
           <a:p>
             <a:fld id="{D9D2A4DD-E6C5-4446-8814-DDCEAB64F4E0}" type="datetimeFigureOut">
               <a:rPr lang="ko-KR" altLang="en-US" smtClean="0"/>
-              <a:t>2022-12-20</a:t>
+              <a:t>2023-05-08</a:t>
             </a:fld>
             <a:endParaRPr lang="ko-KR" altLang="en-US"/>
           </a:p>
@@ -429,7 +429,7 @@
           <a:p>
             <a:fld id="{BF4D36B7-6BC9-4358-A9C9-63F4AFA82B46}" type="datetimeFigureOut">
               <a:rPr lang="ko-KR" altLang="en-US" smtClean="0"/>
-              <a:t>2022-12-20</a:t>
+              <a:t>2023-05-08</a:t>
             </a:fld>
             <a:endParaRPr lang="ko-KR" altLang="en-US"/>
           </a:p>
@@ -4271,7 +4271,7 @@
           <a:p>
             <a:fld id="{178ADFAC-D890-497A-A497-2A400DD02E74}" type="datetimeFigureOut">
               <a:rPr lang="ko-KR" altLang="en-US" smtClean="0"/>
-              <a:t>2022-12-20</a:t>
+              <a:t>2023-05-08</a:t>
             </a:fld>
             <a:endParaRPr lang="ko-KR" altLang="en-US"/>
           </a:p>
@@ -4441,7 +4441,7 @@
           <a:p>
             <a:fld id="{178ADFAC-D890-497A-A497-2A400DD02E74}" type="datetimeFigureOut">
               <a:rPr lang="ko-KR" altLang="en-US" smtClean="0"/>
-              <a:t>2022-12-20</a:t>
+              <a:t>2023-05-08</a:t>
             </a:fld>
             <a:endParaRPr lang="ko-KR" altLang="en-US"/>
           </a:p>
@@ -4621,7 +4621,7 @@
           <a:p>
             <a:fld id="{178ADFAC-D890-497A-A497-2A400DD02E74}" type="datetimeFigureOut">
               <a:rPr lang="ko-KR" altLang="en-US" smtClean="0"/>
-              <a:t>2022-12-20</a:t>
+              <a:t>2023-05-08</a:t>
             </a:fld>
             <a:endParaRPr lang="ko-KR" altLang="en-US"/>
           </a:p>
@@ -4791,7 +4791,7 @@
           <a:p>
             <a:fld id="{178ADFAC-D890-497A-A497-2A400DD02E74}" type="datetimeFigureOut">
               <a:rPr lang="ko-KR" altLang="en-US" smtClean="0"/>
-              <a:t>2022-12-20</a:t>
+              <a:t>2023-05-08</a:t>
             </a:fld>
             <a:endParaRPr lang="ko-KR" altLang="en-US"/>
           </a:p>
@@ -5035,7 +5035,7 @@
           <a:p>
             <a:fld id="{178ADFAC-D890-497A-A497-2A400DD02E74}" type="datetimeFigureOut">
               <a:rPr lang="ko-KR" altLang="en-US" smtClean="0"/>
-              <a:t>2022-12-20</a:t>
+              <a:t>2023-05-08</a:t>
             </a:fld>
             <a:endParaRPr lang="ko-KR" altLang="en-US"/>
           </a:p>
@@ -5267,7 +5267,7 @@
           <a:p>
             <a:fld id="{178ADFAC-D890-497A-A497-2A400DD02E74}" type="datetimeFigureOut">
               <a:rPr lang="ko-KR" altLang="en-US" smtClean="0"/>
-              <a:t>2022-12-20</a:t>
+              <a:t>2023-05-08</a:t>
             </a:fld>
             <a:endParaRPr lang="ko-KR" altLang="en-US"/>
           </a:p>
@@ -5634,7 +5634,7 @@
           <a:p>
             <a:fld id="{178ADFAC-D890-497A-A497-2A400DD02E74}" type="datetimeFigureOut">
               <a:rPr lang="ko-KR" altLang="en-US" smtClean="0"/>
-              <a:t>2022-12-20</a:t>
+              <a:t>2023-05-08</a:t>
             </a:fld>
             <a:endParaRPr lang="ko-KR" altLang="en-US"/>
           </a:p>
@@ -5752,7 +5752,7 @@
           <a:p>
             <a:fld id="{178ADFAC-D890-497A-A497-2A400DD02E74}" type="datetimeFigureOut">
               <a:rPr lang="ko-KR" altLang="en-US" smtClean="0"/>
-              <a:t>2022-12-20</a:t>
+              <a:t>2023-05-08</a:t>
             </a:fld>
             <a:endParaRPr lang="ko-KR" altLang="en-US"/>
           </a:p>
@@ -5847,7 +5847,7 @@
           <a:p>
             <a:fld id="{178ADFAC-D890-497A-A497-2A400DD02E74}" type="datetimeFigureOut">
               <a:rPr lang="ko-KR" altLang="en-US" smtClean="0"/>
-              <a:t>2022-12-20</a:t>
+              <a:t>2023-05-08</a:t>
             </a:fld>
             <a:endParaRPr lang="ko-KR" altLang="en-US"/>
           </a:p>
@@ -6124,7 +6124,7 @@
           <a:p>
             <a:fld id="{178ADFAC-D890-497A-A497-2A400DD02E74}" type="datetimeFigureOut">
               <a:rPr lang="ko-KR" altLang="en-US" smtClean="0"/>
-              <a:t>2022-12-20</a:t>
+              <a:t>2023-05-08</a:t>
             </a:fld>
             <a:endParaRPr lang="ko-KR" altLang="en-US"/>
           </a:p>
@@ -6381,7 +6381,7 @@
           <a:p>
             <a:fld id="{178ADFAC-D890-497A-A497-2A400DD02E74}" type="datetimeFigureOut">
               <a:rPr lang="ko-KR" altLang="en-US" smtClean="0"/>
-              <a:t>2022-12-20</a:t>
+              <a:t>2023-05-08</a:t>
             </a:fld>
             <a:endParaRPr lang="ko-KR" altLang="en-US"/>
           </a:p>
@@ -6594,7 +6594,7 @@
           <a:p>
             <a:fld id="{178ADFAC-D890-497A-A497-2A400DD02E74}" type="datetimeFigureOut">
               <a:rPr lang="ko-KR" altLang="en-US" smtClean="0"/>
-              <a:t>2022-12-20</a:t>
+              <a:t>2023-05-08</a:t>
             </a:fld>
             <a:endParaRPr lang="ko-KR" altLang="en-US"/>
           </a:p>
@@ -38309,85 +38309,6 @@
           </a:p>
         </p:txBody>
       </p:sp>
-      <p:sp>
-        <p:nvSpPr>
-          <p:cNvPr id="10" name="TextBox 9">
-            <a:extLst>
-              <a:ext uri="{FF2B5EF4-FFF2-40B4-BE49-F238E27FC236}">
-                <a16:creationId xmlns:a16="http://schemas.microsoft.com/office/drawing/2014/main" id="{0817E0D3-8915-D44F-8D88-C73C05F2FE22}"/>
-              </a:ext>
-            </a:extLst>
-          </p:cNvPr>
-          <p:cNvSpPr txBox="1"/>
-          <p:nvPr/>
-        </p:nvSpPr>
-        <p:spPr>
-          <a:xfrm>
-            <a:off x="2055756" y="5528748"/>
-            <a:ext cx="4853940" cy="923330"/>
-          </a:xfrm>
-          <a:prstGeom prst="rect">
-            <a:avLst/>
-          </a:prstGeom>
-          <a:noFill/>
-        </p:spPr>
-        <p:txBody>
-          <a:bodyPr wrap="square">
-            <a:spAutoFit/>
-          </a:bodyPr>
-          <a:lstStyle/>
-          <a:p>
-            <a:r>
-              <a:rPr lang="en-US" altLang="ko-KR" dirty="0">
-                <a:hlinkClick r:id="rId4"/>
-              </a:rPr>
-              <a:t>https://colab.research.google.com/github/JunetaeKim/DeepLearningClass/blob/main/Week10/ExerciseSolution.ipynb</a:t>
-            </a:r>
-            <a:endParaRPr lang="ko-KR" altLang="en-US" dirty="0"/>
-          </a:p>
-        </p:txBody>
-      </p:sp>
-      <p:sp>
-        <p:nvSpPr>
-          <p:cNvPr id="25" name="TextBox 24">
-            <a:extLst>
-              <a:ext uri="{FF2B5EF4-FFF2-40B4-BE49-F238E27FC236}">
-                <a16:creationId xmlns:a16="http://schemas.microsoft.com/office/drawing/2014/main" id="{F96AD90E-5A63-F944-7F44-85F0D1B793DD}"/>
-              </a:ext>
-            </a:extLst>
-          </p:cNvPr>
-          <p:cNvSpPr txBox="1"/>
-          <p:nvPr/>
-        </p:nvSpPr>
-        <p:spPr>
-          <a:xfrm>
-            <a:off x="2055756" y="5159416"/>
-            <a:ext cx="4572000" cy="369332"/>
-          </a:xfrm>
-          <a:prstGeom prst="rect">
-            <a:avLst/>
-          </a:prstGeom>
-          <a:noFill/>
-        </p:spPr>
-        <p:txBody>
-          <a:bodyPr wrap="square">
-            <a:spAutoFit/>
-          </a:bodyPr>
-          <a:lstStyle/>
-          <a:p>
-            <a:r>
-              <a:rPr lang="en-US" altLang="ko-KR" sz="1800" dirty="0">
-                <a:solidFill>
-                  <a:srgbClr val="222222"/>
-                </a:solidFill>
-                <a:latin typeface="Arial Narrow" panose="020B0606020202030204" pitchFamily="34" charset="0"/>
-              </a:rPr>
-              <a:t>For solutions</a:t>
-            </a:r>
-            <a:endParaRPr lang="ko-KR" altLang="en-US" dirty="0"/>
-          </a:p>
-        </p:txBody>
-      </p:sp>
     </p:spTree>
     <p:extLst>
       <p:ext uri="{BB962C8B-B14F-4D97-AF65-F5344CB8AC3E}">
@@ -39938,7 +39859,7 @@
         <p:spPr>
           <a:xfrm>
             <a:off x="3985260" y="2315350"/>
-            <a:ext cx="4960618" cy="2308324"/>
+            <a:ext cx="4960618" cy="3970318"/>
           </a:xfrm>
           <a:prstGeom prst="rect">
             <a:avLst/>
@@ -39957,8 +39878,57 @@
             </a:pPr>
             <a:r>
               <a:rPr lang="en-US" altLang="ko-KR" dirty="0"/>
-              <a:t>The size and width of the petals and sepals, which look similar in the figure, vary depending on the species</a:t>
+              <a:t>The size and width of the petals and sepals, vary depending on the species</a:t>
             </a:r>
+          </a:p>
+          <a:p>
+            <a:pPr marL="285750" indent="-285750">
+              <a:buFont typeface="Arial" panose="020B0604020202020204" pitchFamily="34" charset="0"/>
+              <a:buChar char="•"/>
+            </a:pPr>
+            <a:endParaRPr lang="en-US" altLang="ko-KR" dirty="0"/>
+          </a:p>
+          <a:p>
+            <a:pPr marL="285750" indent="-285750">
+              <a:buFont typeface="Arial" panose="020B0604020202020204" pitchFamily="34" charset="0"/>
+              <a:buChar char="•"/>
+            </a:pPr>
+            <a:endParaRPr lang="en-US" altLang="ko-KR" dirty="0"/>
+          </a:p>
+          <a:p>
+            <a:pPr marL="285750" indent="-285750">
+              <a:buFont typeface="Arial" panose="020B0604020202020204" pitchFamily="34" charset="0"/>
+              <a:buChar char="•"/>
+            </a:pPr>
+            <a:endParaRPr lang="en-US" altLang="ko-KR" dirty="0"/>
+          </a:p>
+          <a:p>
+            <a:pPr marL="285750" indent="-285750">
+              <a:buFont typeface="Arial" panose="020B0604020202020204" pitchFamily="34" charset="0"/>
+              <a:buChar char="•"/>
+            </a:pPr>
+            <a:endParaRPr lang="en-US" altLang="ko-KR" dirty="0"/>
+          </a:p>
+          <a:p>
+            <a:pPr marL="285750" indent="-285750">
+              <a:buFont typeface="Arial" panose="020B0604020202020204" pitchFamily="34" charset="0"/>
+              <a:buChar char="•"/>
+            </a:pPr>
+            <a:endParaRPr lang="en-US" altLang="ko-KR" dirty="0"/>
+          </a:p>
+          <a:p>
+            <a:pPr marL="285750" indent="-285750">
+              <a:buFont typeface="Arial" panose="020B0604020202020204" pitchFamily="34" charset="0"/>
+              <a:buChar char="•"/>
+            </a:pPr>
+            <a:endParaRPr lang="en-US" altLang="ko-KR" dirty="0"/>
+          </a:p>
+          <a:p>
+            <a:pPr marL="285750" indent="-285750">
+              <a:buFont typeface="Arial" panose="020B0604020202020204" pitchFamily="34" charset="0"/>
+              <a:buChar char="•"/>
+            </a:pPr>
+            <a:endParaRPr lang="en-US" altLang="ko-KR" dirty="0"/>
           </a:p>
           <a:p>
             <a:pPr marL="285750" indent="-285750">
@@ -39986,6 +39956,53 @@
           </a:p>
         </p:txBody>
       </p:sp>
+      <p:pic>
+        <p:nvPicPr>
+          <p:cNvPr id="3" name="Picture 2" descr="Difference Between Sepals and Petals (with Comparison Chart ...">
+            <a:extLst>
+              <a:ext uri="{FF2B5EF4-FFF2-40B4-BE49-F238E27FC236}">
+                <a16:creationId xmlns:a16="http://schemas.microsoft.com/office/drawing/2014/main" id="{BFE38441-F4FD-8B6D-F78C-73429C1C3ED7}"/>
+              </a:ext>
+            </a:extLst>
+          </p:cNvPr>
+          <p:cNvPicPr>
+            <a:picLocks noChangeAspect="1" noChangeArrowheads="1"/>
+          </p:cNvPicPr>
+          <p:nvPr/>
+        </p:nvPicPr>
+        <p:blipFill>
+          <a:blip r:embed="rId4">
+            <a:extLst>
+              <a:ext uri="{28A0092B-C50C-407E-A947-70E740481C1C}">
+                <a14:useLocalDpi xmlns:a14="http://schemas.microsoft.com/office/drawing/2010/main" val="0"/>
+              </a:ext>
+            </a:extLst>
+          </a:blip>
+          <a:srcRect/>
+          <a:stretch>
+            <a:fillRect/>
+          </a:stretch>
+        </p:blipFill>
+        <p:spPr bwMode="auto">
+          <a:xfrm>
+            <a:off x="5052767" y="3061082"/>
+            <a:ext cx="2884602" cy="1852218"/>
+          </a:xfrm>
+          <a:prstGeom prst="rect">
+            <a:avLst/>
+          </a:prstGeom>
+          <a:noFill/>
+          <a:extLst>
+            <a:ext uri="{909E8E84-426E-40DD-AFC4-6F175D3DCCD1}">
+              <a14:hiddenFill xmlns:a14="http://schemas.microsoft.com/office/drawing/2010/main">
+                <a:solidFill>
+                  <a:srgbClr val="FFFFFF"/>
+                </a:solidFill>
+              </a14:hiddenFill>
+            </a:ext>
+          </a:extLst>
+        </p:spPr>
+      </p:pic>
     </p:spTree>
     <p:extLst>
       <p:ext uri="{BB962C8B-B14F-4D97-AF65-F5344CB8AC3E}">
